--- a/MyLearnings/Cloud PPT's/Chapter7-ARM.pptx
+++ b/MyLearnings/Cloud PPT's/Chapter7-ARM.pptx
@@ -8,19 +8,20 @@
     <p:sldId id="256" r:id="rId2"/>
     <p:sldId id="257" r:id="rId3"/>
     <p:sldId id="258" r:id="rId4"/>
-    <p:sldId id="259" r:id="rId5"/>
-    <p:sldId id="261" r:id="rId6"/>
-    <p:sldId id="260" r:id="rId7"/>
-    <p:sldId id="263" r:id="rId8"/>
-    <p:sldId id="264" r:id="rId9"/>
-    <p:sldId id="265" r:id="rId10"/>
-    <p:sldId id="266" r:id="rId11"/>
-    <p:sldId id="267" r:id="rId12"/>
-    <p:sldId id="270" r:id="rId13"/>
-    <p:sldId id="272" r:id="rId14"/>
-    <p:sldId id="271" r:id="rId15"/>
-    <p:sldId id="268" r:id="rId16"/>
-    <p:sldId id="269" r:id="rId17"/>
+    <p:sldId id="274" r:id="rId5"/>
+    <p:sldId id="259" r:id="rId6"/>
+    <p:sldId id="261" r:id="rId7"/>
+    <p:sldId id="260" r:id="rId8"/>
+    <p:sldId id="263" r:id="rId9"/>
+    <p:sldId id="264" r:id="rId10"/>
+    <p:sldId id="265" r:id="rId11"/>
+    <p:sldId id="266" r:id="rId12"/>
+    <p:sldId id="267" r:id="rId13"/>
+    <p:sldId id="270" r:id="rId14"/>
+    <p:sldId id="272" r:id="rId15"/>
+    <p:sldId id="271" r:id="rId16"/>
+    <p:sldId id="268" r:id="rId17"/>
+    <p:sldId id="269" r:id="rId18"/>
   </p:sldIdLst>
   <p:sldSz cx="12192000" cy="6858000"/>
   <p:notesSz cx="6858000" cy="9144000"/>
@@ -276,7 +277,7 @@
           <a:p>
             <a:fld id="{D705575C-80FC-4D2E-AAEE-FE1A0CDAB06E}" type="datetimeFigureOut">
               <a:rPr lang="en-IN" smtClean="0"/>
-              <a:t>15-06-2024</a:t>
+              <a:t>17-06-2024</a:t>
             </a:fld>
             <a:endParaRPr lang="en-IN"/>
           </a:p>
@@ -476,7 +477,7 @@
           <a:p>
             <a:fld id="{D705575C-80FC-4D2E-AAEE-FE1A0CDAB06E}" type="datetimeFigureOut">
               <a:rPr lang="en-IN" smtClean="0"/>
-              <a:t>15-06-2024</a:t>
+              <a:t>17-06-2024</a:t>
             </a:fld>
             <a:endParaRPr lang="en-IN"/>
           </a:p>
@@ -686,7 +687,7 @@
           <a:p>
             <a:fld id="{D705575C-80FC-4D2E-AAEE-FE1A0CDAB06E}" type="datetimeFigureOut">
               <a:rPr lang="en-IN" smtClean="0"/>
-              <a:t>15-06-2024</a:t>
+              <a:t>17-06-2024</a:t>
             </a:fld>
             <a:endParaRPr lang="en-IN"/>
           </a:p>
@@ -886,7 +887,7 @@
           <a:p>
             <a:fld id="{D705575C-80FC-4D2E-AAEE-FE1A0CDAB06E}" type="datetimeFigureOut">
               <a:rPr lang="en-IN" smtClean="0"/>
-              <a:t>15-06-2024</a:t>
+              <a:t>17-06-2024</a:t>
             </a:fld>
             <a:endParaRPr lang="en-IN"/>
           </a:p>
@@ -1162,7 +1163,7 @@
           <a:p>
             <a:fld id="{D705575C-80FC-4D2E-AAEE-FE1A0CDAB06E}" type="datetimeFigureOut">
               <a:rPr lang="en-IN" smtClean="0"/>
-              <a:t>15-06-2024</a:t>
+              <a:t>17-06-2024</a:t>
             </a:fld>
             <a:endParaRPr lang="en-IN"/>
           </a:p>
@@ -1430,7 +1431,7 @@
           <a:p>
             <a:fld id="{D705575C-80FC-4D2E-AAEE-FE1A0CDAB06E}" type="datetimeFigureOut">
               <a:rPr lang="en-IN" smtClean="0"/>
-              <a:t>15-06-2024</a:t>
+              <a:t>17-06-2024</a:t>
             </a:fld>
             <a:endParaRPr lang="en-IN"/>
           </a:p>
@@ -1845,7 +1846,7 @@
           <a:p>
             <a:fld id="{D705575C-80FC-4D2E-AAEE-FE1A0CDAB06E}" type="datetimeFigureOut">
               <a:rPr lang="en-IN" smtClean="0"/>
-              <a:t>15-06-2024</a:t>
+              <a:t>17-06-2024</a:t>
             </a:fld>
             <a:endParaRPr lang="en-IN"/>
           </a:p>
@@ -1987,7 +1988,7 @@
           <a:p>
             <a:fld id="{D705575C-80FC-4D2E-AAEE-FE1A0CDAB06E}" type="datetimeFigureOut">
               <a:rPr lang="en-IN" smtClean="0"/>
-              <a:t>15-06-2024</a:t>
+              <a:t>17-06-2024</a:t>
             </a:fld>
             <a:endParaRPr lang="en-IN"/>
           </a:p>
@@ -2100,7 +2101,7 @@
           <a:p>
             <a:fld id="{D705575C-80FC-4D2E-AAEE-FE1A0CDAB06E}" type="datetimeFigureOut">
               <a:rPr lang="en-IN" smtClean="0"/>
-              <a:t>15-06-2024</a:t>
+              <a:t>17-06-2024</a:t>
             </a:fld>
             <a:endParaRPr lang="en-IN"/>
           </a:p>
@@ -2413,7 +2414,7 @@
           <a:p>
             <a:fld id="{D705575C-80FC-4D2E-AAEE-FE1A0CDAB06E}" type="datetimeFigureOut">
               <a:rPr lang="en-IN" smtClean="0"/>
-              <a:t>15-06-2024</a:t>
+              <a:t>17-06-2024</a:t>
             </a:fld>
             <a:endParaRPr lang="en-IN"/>
           </a:p>
@@ -2702,7 +2703,7 @@
           <a:p>
             <a:fld id="{D705575C-80FC-4D2E-AAEE-FE1A0CDAB06E}" type="datetimeFigureOut">
               <a:rPr lang="en-IN" smtClean="0"/>
-              <a:t>15-06-2024</a:t>
+              <a:t>17-06-2024</a:t>
             </a:fld>
             <a:endParaRPr lang="en-IN"/>
           </a:p>
@@ -2945,7 +2946,7 @@
           <a:p>
             <a:fld id="{D705575C-80FC-4D2E-AAEE-FE1A0CDAB06E}" type="datetimeFigureOut">
               <a:rPr lang="en-IN" smtClean="0"/>
-              <a:t>15-06-2024</a:t>
+              <a:t>17-06-2024</a:t>
             </a:fld>
             <a:endParaRPr lang="en-IN"/>
           </a:p>
@@ -3505,6 +3506,122 @@
           <p:cNvPr id="2" name="Title 1">
             <a:extLst>
               <a:ext uri="{FF2B5EF4-FFF2-40B4-BE49-F238E27FC236}">
+                <a16:creationId xmlns:a16="http://schemas.microsoft.com/office/drawing/2014/main" id="{C9CC477D-2C93-0D0E-C7EA-19569C48DE70}"/>
+              </a:ext>
+            </a:extLst>
+          </p:cNvPr>
+          <p:cNvSpPr>
+            <a:spLocks noGrp="1"/>
+          </p:cNvSpPr>
+          <p:nvPr>
+            <p:ph type="title"/>
+          </p:nvPr>
+        </p:nvSpPr>
+        <p:spPr/>
+        <p:txBody>
+          <a:bodyPr/>
+          <a:lstStyle/>
+          <a:p>
+            <a:r>
+              <a:rPr lang="en-IN" dirty="0"/>
+              <a:t>REST API</a:t>
+            </a:r>
+          </a:p>
+        </p:txBody>
+      </p:sp>
+      <p:sp>
+        <p:nvSpPr>
+          <p:cNvPr id="3" name="Content Placeholder 2">
+            <a:extLst>
+              <a:ext uri="{FF2B5EF4-FFF2-40B4-BE49-F238E27FC236}">
+                <a16:creationId xmlns:a16="http://schemas.microsoft.com/office/drawing/2014/main" id="{7F73383A-74F8-C87D-ED4F-9CA07550DC0A}"/>
+              </a:ext>
+            </a:extLst>
+          </p:cNvPr>
+          <p:cNvSpPr>
+            <a:spLocks noGrp="1"/>
+          </p:cNvSpPr>
+          <p:nvPr>
+            <p:ph idx="1"/>
+          </p:nvPr>
+        </p:nvSpPr>
+        <p:spPr/>
+        <p:txBody>
+          <a:bodyPr/>
+          <a:lstStyle/>
+          <a:p>
+            <a:pPr marL="0" indent="0">
+              <a:buNone/>
+            </a:pPr>
+            <a:r>
+              <a:rPr lang="en-IN" dirty="0">
+                <a:solidFill>
+                  <a:srgbClr val="FF0000"/>
+                </a:solidFill>
+              </a:rPr>
+              <a:t>REST API is a programming way to create, update, retrieve and delete the data.</a:t>
+            </a:r>
+          </a:p>
+          <a:p>
+            <a:pPr marL="0" indent="0">
+              <a:buNone/>
+            </a:pPr>
+            <a:endParaRPr lang="en-IN" dirty="0"/>
+          </a:p>
+          <a:p>
+            <a:pPr marL="0" indent="0">
+              <a:buNone/>
+            </a:pPr>
+            <a:r>
+              <a:rPr lang="en-IN" dirty="0"/>
+              <a:t>A RESTful API is </a:t>
+            </a:r>
+            <a:r>
+              <a:rPr lang="en-IN" b="1" dirty="0"/>
+              <a:t>an architectural style for an application programming interface that uses HTTP requests to access and use data</a:t>
+            </a:r>
+            <a:r>
+              <a:rPr lang="en-IN" dirty="0"/>
+              <a:t>. That data can be used to GET , PUT , POST and DELETE data types, which refers to reading, updating, creating and deleting operations related to resources.</a:t>
+            </a:r>
+          </a:p>
+        </p:txBody>
+      </p:sp>
+    </p:spTree>
+    <p:extLst>
+      <p:ext uri="{BB962C8B-B14F-4D97-AF65-F5344CB8AC3E}">
+        <p14:creationId xmlns:p14="http://schemas.microsoft.com/office/powerpoint/2010/main" val="1676084388"/>
+      </p:ext>
+    </p:extLst>
+  </p:cSld>
+  <p:clrMapOvr>
+    <a:masterClrMapping/>
+  </p:clrMapOvr>
+</p:sld>
+</file>
+
+<file path=ppt/slides/slide11.xml><?xml version="1.0" encoding="utf-8"?>
+<p:sld xmlns:a="http://schemas.openxmlformats.org/drawingml/2006/main" xmlns:r="http://schemas.openxmlformats.org/officeDocument/2006/relationships" xmlns:p="http://schemas.openxmlformats.org/presentationml/2006/main">
+  <p:cSld>
+    <p:spTree>
+      <p:nvGrpSpPr>
+        <p:cNvPr id="1" name=""/>
+        <p:cNvGrpSpPr/>
+        <p:nvPr/>
+      </p:nvGrpSpPr>
+      <p:grpSpPr>
+        <a:xfrm>
+          <a:off x="0" y="0"/>
+          <a:ext cx="0" cy="0"/>
+          <a:chOff x="0" y="0"/>
+          <a:chExt cx="0" cy="0"/>
+        </a:xfrm>
+      </p:grpSpPr>
+      <p:sp>
+        <p:nvSpPr>
+          <p:cNvPr id="2" name="Title 1">
+            <a:extLst>
+              <a:ext uri="{FF2B5EF4-FFF2-40B4-BE49-F238E27FC236}">
                 <a16:creationId xmlns:a16="http://schemas.microsoft.com/office/drawing/2014/main" id="{5FF18B9F-8616-5326-EB48-B48D532614C0}"/>
               </a:ext>
             </a:extLst>
@@ -3598,115 +3715,6 @@
 </p:sld>
 </file>
 
-<file path=ppt/slides/slide11.xml><?xml version="1.0" encoding="utf-8"?>
-<p:sld xmlns:a="http://schemas.openxmlformats.org/drawingml/2006/main" xmlns:r="http://schemas.openxmlformats.org/officeDocument/2006/relationships" xmlns:p="http://schemas.openxmlformats.org/presentationml/2006/main">
-  <p:cSld>
-    <p:spTree>
-      <p:nvGrpSpPr>
-        <p:cNvPr id="1" name=""/>
-        <p:cNvGrpSpPr/>
-        <p:nvPr/>
-      </p:nvGrpSpPr>
-      <p:grpSpPr>
-        <a:xfrm>
-          <a:off x="0" y="0"/>
-          <a:ext cx="0" cy="0"/>
-          <a:chOff x="0" y="0"/>
-          <a:chExt cx="0" cy="0"/>
-        </a:xfrm>
-      </p:grpSpPr>
-      <p:sp>
-        <p:nvSpPr>
-          <p:cNvPr id="2" name="Title 1">
-            <a:extLst>
-              <a:ext uri="{FF2B5EF4-FFF2-40B4-BE49-F238E27FC236}">
-                <a16:creationId xmlns:a16="http://schemas.microsoft.com/office/drawing/2014/main" id="{23A04D3E-1F4E-0B98-7A23-240158EBDA6B}"/>
-              </a:ext>
-            </a:extLst>
-          </p:cNvPr>
-          <p:cNvSpPr>
-            <a:spLocks noGrp="1"/>
-          </p:cNvSpPr>
-          <p:nvPr>
-            <p:ph type="title"/>
-          </p:nvPr>
-        </p:nvSpPr>
-        <p:spPr/>
-        <p:txBody>
-          <a:bodyPr/>
-          <a:lstStyle/>
-          <a:p>
-            <a:r>
-              <a:rPr lang="en-IN" dirty="0"/>
-              <a:t>SDK</a:t>
-            </a:r>
-          </a:p>
-        </p:txBody>
-      </p:sp>
-      <p:sp>
-        <p:nvSpPr>
-          <p:cNvPr id="3" name="Content Placeholder 2">
-            <a:extLst>
-              <a:ext uri="{FF2B5EF4-FFF2-40B4-BE49-F238E27FC236}">
-                <a16:creationId xmlns:a16="http://schemas.microsoft.com/office/drawing/2014/main" id="{0A655627-AA48-E75F-C4D6-962DDCFAD663}"/>
-              </a:ext>
-            </a:extLst>
-          </p:cNvPr>
-          <p:cNvSpPr>
-            <a:spLocks noGrp="1"/>
-          </p:cNvSpPr>
-          <p:nvPr>
-            <p:ph idx="1"/>
-          </p:nvPr>
-        </p:nvSpPr>
-        <p:spPr/>
-        <p:txBody>
-          <a:bodyPr/>
-          <a:lstStyle/>
-          <a:p>
-            <a:pPr marL="0" indent="0">
-              <a:buNone/>
-            </a:pPr>
-            <a:r>
-              <a:rPr lang="en-IN" dirty="0"/>
-              <a:t>A software development kit (SDK) is </a:t>
-            </a:r>
-            <a:r>
-              <a:rPr lang="en-IN" b="1" dirty="0"/>
-              <a:t>a set of platform-specific building tools for developers</a:t>
-            </a:r>
-            <a:r>
-              <a:rPr lang="en-IN" dirty="0"/>
-              <a:t>.</a:t>
-            </a:r>
-          </a:p>
-          <a:p>
-            <a:pPr marL="0" indent="0">
-              <a:buNone/>
-            </a:pPr>
-            <a:endParaRPr lang="en-IN" dirty="0"/>
-          </a:p>
-          <a:p>
-            <a:pPr marL="0" indent="0">
-              <a:buNone/>
-            </a:pPr>
-            <a:endParaRPr lang="en-IN" dirty="0"/>
-          </a:p>
-        </p:txBody>
-      </p:sp>
-    </p:spTree>
-    <p:extLst>
-      <p:ext uri="{BB962C8B-B14F-4D97-AF65-F5344CB8AC3E}">
-        <p14:creationId xmlns:p14="http://schemas.microsoft.com/office/powerpoint/2010/main" val="996681806"/>
-      </p:ext>
-    </p:extLst>
-  </p:cSld>
-  <p:clrMapOvr>
-    <a:masterClrMapping/>
-  </p:clrMapOvr>
-</p:sld>
-</file>
-
 <file path=ppt/slides/slide12.xml><?xml version="1.0" encoding="utf-8"?>
 <p:sld xmlns:a="http://schemas.openxmlformats.org/drawingml/2006/main" xmlns:r="http://schemas.openxmlformats.org/officeDocument/2006/relationships" xmlns:p="http://schemas.openxmlformats.org/presentationml/2006/main">
   <p:cSld>
@@ -3729,7 +3737,7 @@
           <p:cNvPr id="2" name="Title 1">
             <a:extLst>
               <a:ext uri="{FF2B5EF4-FFF2-40B4-BE49-F238E27FC236}">
-                <a16:creationId xmlns:a16="http://schemas.microsoft.com/office/drawing/2014/main" id="{38DC0990-06F2-809F-C44B-73A4A688D216}"/>
+                <a16:creationId xmlns:a16="http://schemas.microsoft.com/office/drawing/2014/main" id="{23A04D3E-1F4E-0B98-7A23-240158EBDA6B}"/>
               </a:ext>
             </a:extLst>
           </p:cNvPr>
@@ -3747,7 +3755,7 @@
           <a:p>
             <a:r>
               <a:rPr lang="en-IN" dirty="0"/>
-              <a:t>lock</a:t>
+              <a:t>SDK</a:t>
             </a:r>
           </a:p>
         </p:txBody>
@@ -3757,7 +3765,7 @@
           <p:cNvPr id="3" name="Content Placeholder 2">
             <a:extLst>
               <a:ext uri="{FF2B5EF4-FFF2-40B4-BE49-F238E27FC236}">
-                <a16:creationId xmlns:a16="http://schemas.microsoft.com/office/drawing/2014/main" id="{246AC624-8BE7-AF0C-F162-9E54A27AD26C}"/>
+                <a16:creationId xmlns:a16="http://schemas.microsoft.com/office/drawing/2014/main" id="{0A655627-AA48-E75F-C4D6-962DDCFAD663}"/>
               </a:ext>
             </a:extLst>
           </p:cNvPr>
@@ -3778,44 +3786,16 @@
             </a:pPr>
             <a:r>
               <a:rPr lang="en-IN" dirty="0"/>
-              <a:t>Same person shouldn’t be doing same activity.</a:t>
-            </a:r>
-          </a:p>
-          <a:p>
-            <a:pPr marL="0" indent="0">
-              <a:buNone/>
-            </a:pPr>
-            <a:endParaRPr lang="en-IN" dirty="0"/>
-          </a:p>
-          <a:p>
-            <a:pPr marL="0" indent="0">
-              <a:buNone/>
-            </a:pPr>
+              <a:t>A software development kit (SDK) is </a:t>
+            </a:r>
+            <a:r>
+              <a:rPr lang="en-IN" b="1" dirty="0"/>
+              <a:t>a set of platform-specific building tools for developers</a:t>
+            </a:r>
             <a:r>
               <a:rPr lang="en-IN" dirty="0"/>
-              <a:t>Example: Let say me and my colleague trying to create same things in same time. So one would be pass one would be fail.</a:t>
-            </a:r>
-          </a:p>
-          <a:p>
-            <a:pPr marL="0" indent="0">
-              <a:buNone/>
-            </a:pPr>
-            <a:endParaRPr lang="en-IN" dirty="0"/>
-          </a:p>
-          <a:p>
-            <a:pPr marL="0" indent="0">
-              <a:buNone/>
-            </a:pPr>
-            <a:r>
-              <a:rPr lang="en-IN" dirty="0"/>
-              <a:t>To avoid this confusion we have lock, so who would be doing first would be locking the resource.</a:t>
-            </a:r>
-          </a:p>
-          <a:p>
-            <a:pPr marL="0" indent="0">
-              <a:buNone/>
-            </a:pPr>
-            <a:endParaRPr lang="en-IN" dirty="0"/>
+              <a:t>.</a:t>
+            </a:r>
           </a:p>
           <a:p>
             <a:pPr marL="0" indent="0">
@@ -3834,7 +3814,7 @@
     </p:spTree>
     <p:extLst>
       <p:ext uri="{BB962C8B-B14F-4D97-AF65-F5344CB8AC3E}">
-        <p14:creationId xmlns:p14="http://schemas.microsoft.com/office/powerpoint/2010/main" val="3079595414"/>
+        <p14:creationId xmlns:p14="http://schemas.microsoft.com/office/powerpoint/2010/main" val="996681806"/>
       </p:ext>
     </p:extLst>
   </p:cSld>
@@ -3866,7 +3846,7 @@
           <p:cNvPr id="2" name="Title 1">
             <a:extLst>
               <a:ext uri="{FF2B5EF4-FFF2-40B4-BE49-F238E27FC236}">
-                <a16:creationId xmlns:a16="http://schemas.microsoft.com/office/drawing/2014/main" id="{BBD6372D-83BC-1AD8-0A74-B8612DDB9A74}"/>
+                <a16:creationId xmlns:a16="http://schemas.microsoft.com/office/drawing/2014/main" id="{38DC0990-06F2-809F-C44B-73A4A688D216}"/>
               </a:ext>
             </a:extLst>
           </p:cNvPr>
@@ -3883,12 +3863,8 @@
           <a:lstStyle/>
           <a:p>
             <a:r>
-              <a:rPr lang="en-IN" dirty="0">
-                <a:solidFill>
-                  <a:srgbClr val="FF0000"/>
-                </a:solidFill>
-              </a:rPr>
-              <a:t>metadata</a:t>
+              <a:rPr lang="en-IN" dirty="0"/>
+              <a:t>lock</a:t>
             </a:r>
           </a:p>
         </p:txBody>
@@ -3898,7 +3874,7 @@
           <p:cNvPr id="3" name="Content Placeholder 2">
             <a:extLst>
               <a:ext uri="{FF2B5EF4-FFF2-40B4-BE49-F238E27FC236}">
-                <a16:creationId xmlns:a16="http://schemas.microsoft.com/office/drawing/2014/main" id="{C93988F3-2C9D-44C5-8290-80DF6E2D436C}"/>
+                <a16:creationId xmlns:a16="http://schemas.microsoft.com/office/drawing/2014/main" id="{246AC624-8BE7-AF0C-F162-9E54A27AD26C}"/>
               </a:ext>
             </a:extLst>
           </p:cNvPr>
@@ -3919,7 +3895,7 @@
             </a:pPr>
             <a:r>
               <a:rPr lang="en-IN" dirty="0"/>
-              <a:t>It’s basically used to create filter mechanism</a:t>
+              <a:t>Same person shouldn’t be doing same activity.</a:t>
             </a:r>
           </a:p>
           <a:p>
@@ -3934,7 +3910,7 @@
             </a:pPr>
             <a:r>
               <a:rPr lang="en-IN" dirty="0"/>
-              <a:t>Mobile &gt; Redmi &gt; Redmi13C</a:t>
+              <a:t>Example: Let say me and my colleague trying to create same things in same time. So one would be pass one would be fail.</a:t>
             </a:r>
           </a:p>
           <a:p>
@@ -3949,33 +3925,33 @@
             </a:pPr>
             <a:r>
               <a:rPr lang="en-IN" dirty="0"/>
-              <a:t>Category: Mobile</a:t>
-            </a:r>
-          </a:p>
-          <a:p>
-            <a:pPr marL="0" indent="0">
-              <a:buNone/>
-            </a:pPr>
-            <a:r>
-              <a:rPr lang="en-IN" dirty="0"/>
-              <a:t>Brand: Redmi</a:t>
-            </a:r>
-          </a:p>
-          <a:p>
-            <a:pPr marL="0" indent="0">
-              <a:buNone/>
-            </a:pPr>
-            <a:r>
-              <a:rPr lang="en-IN" dirty="0"/>
-              <a:t>Model: Redmi13C</a:t>
-            </a:r>
+              <a:t>To avoid this confusion we have lock, so who would be doing first would be locking the resource.</a:t>
+            </a:r>
+          </a:p>
+          <a:p>
+            <a:pPr marL="0" indent="0">
+              <a:buNone/>
+            </a:pPr>
+            <a:endParaRPr lang="en-IN" dirty="0"/>
+          </a:p>
+          <a:p>
+            <a:pPr marL="0" indent="0">
+              <a:buNone/>
+            </a:pPr>
+            <a:endParaRPr lang="en-IN" dirty="0"/>
+          </a:p>
+          <a:p>
+            <a:pPr marL="0" indent="0">
+              <a:buNone/>
+            </a:pPr>
+            <a:endParaRPr lang="en-IN" dirty="0"/>
           </a:p>
         </p:txBody>
       </p:sp>
     </p:spTree>
     <p:extLst>
       <p:ext uri="{BB962C8B-B14F-4D97-AF65-F5344CB8AC3E}">
-        <p14:creationId xmlns:p14="http://schemas.microsoft.com/office/powerpoint/2010/main" val="3708690961"/>
+        <p14:creationId xmlns:p14="http://schemas.microsoft.com/office/powerpoint/2010/main" val="3079595414"/>
       </p:ext>
     </p:extLst>
   </p:cSld>
@@ -4007,6 +3983,147 @@
           <p:cNvPr id="2" name="Title 1">
             <a:extLst>
               <a:ext uri="{FF2B5EF4-FFF2-40B4-BE49-F238E27FC236}">
+                <a16:creationId xmlns:a16="http://schemas.microsoft.com/office/drawing/2014/main" id="{BBD6372D-83BC-1AD8-0A74-B8612DDB9A74}"/>
+              </a:ext>
+            </a:extLst>
+          </p:cNvPr>
+          <p:cNvSpPr>
+            <a:spLocks noGrp="1"/>
+          </p:cNvSpPr>
+          <p:nvPr>
+            <p:ph type="title"/>
+          </p:nvPr>
+        </p:nvSpPr>
+        <p:spPr/>
+        <p:txBody>
+          <a:bodyPr/>
+          <a:lstStyle/>
+          <a:p>
+            <a:r>
+              <a:rPr lang="en-IN" dirty="0">
+                <a:solidFill>
+                  <a:srgbClr val="FF0000"/>
+                </a:solidFill>
+              </a:rPr>
+              <a:t>metadata</a:t>
+            </a:r>
+          </a:p>
+        </p:txBody>
+      </p:sp>
+      <p:sp>
+        <p:nvSpPr>
+          <p:cNvPr id="3" name="Content Placeholder 2">
+            <a:extLst>
+              <a:ext uri="{FF2B5EF4-FFF2-40B4-BE49-F238E27FC236}">
+                <a16:creationId xmlns:a16="http://schemas.microsoft.com/office/drawing/2014/main" id="{C93988F3-2C9D-44C5-8290-80DF6E2D436C}"/>
+              </a:ext>
+            </a:extLst>
+          </p:cNvPr>
+          <p:cNvSpPr>
+            <a:spLocks noGrp="1"/>
+          </p:cNvSpPr>
+          <p:nvPr>
+            <p:ph idx="1"/>
+          </p:nvPr>
+        </p:nvSpPr>
+        <p:spPr/>
+        <p:txBody>
+          <a:bodyPr/>
+          <a:lstStyle/>
+          <a:p>
+            <a:pPr marL="0" indent="0">
+              <a:buNone/>
+            </a:pPr>
+            <a:r>
+              <a:rPr lang="en-IN" dirty="0"/>
+              <a:t>It’s basically used to create filter mechanism</a:t>
+            </a:r>
+          </a:p>
+          <a:p>
+            <a:pPr marL="0" indent="0">
+              <a:buNone/>
+            </a:pPr>
+            <a:endParaRPr lang="en-IN" dirty="0"/>
+          </a:p>
+          <a:p>
+            <a:pPr marL="0" indent="0">
+              <a:buNone/>
+            </a:pPr>
+            <a:r>
+              <a:rPr lang="en-IN" dirty="0"/>
+              <a:t>Mobile &gt; Redmi &gt; Redmi13C</a:t>
+            </a:r>
+          </a:p>
+          <a:p>
+            <a:pPr marL="0" indent="0">
+              <a:buNone/>
+            </a:pPr>
+            <a:endParaRPr lang="en-IN" dirty="0"/>
+          </a:p>
+          <a:p>
+            <a:pPr marL="0" indent="0">
+              <a:buNone/>
+            </a:pPr>
+            <a:r>
+              <a:rPr lang="en-IN" dirty="0"/>
+              <a:t>Category: Mobile</a:t>
+            </a:r>
+          </a:p>
+          <a:p>
+            <a:pPr marL="0" indent="0">
+              <a:buNone/>
+            </a:pPr>
+            <a:r>
+              <a:rPr lang="en-IN" dirty="0"/>
+              <a:t>Brand: Redmi</a:t>
+            </a:r>
+          </a:p>
+          <a:p>
+            <a:pPr marL="0" indent="0">
+              <a:buNone/>
+            </a:pPr>
+            <a:r>
+              <a:rPr lang="en-IN" dirty="0"/>
+              <a:t>Model: Redmi13C</a:t>
+            </a:r>
+          </a:p>
+        </p:txBody>
+      </p:sp>
+    </p:spTree>
+    <p:extLst>
+      <p:ext uri="{BB962C8B-B14F-4D97-AF65-F5344CB8AC3E}">
+        <p14:creationId xmlns:p14="http://schemas.microsoft.com/office/powerpoint/2010/main" val="3708690961"/>
+      </p:ext>
+    </p:extLst>
+  </p:cSld>
+  <p:clrMapOvr>
+    <a:masterClrMapping/>
+  </p:clrMapOvr>
+</p:sld>
+</file>
+
+<file path=ppt/slides/slide15.xml><?xml version="1.0" encoding="utf-8"?>
+<p:sld xmlns:a="http://schemas.openxmlformats.org/drawingml/2006/main" xmlns:r="http://schemas.openxmlformats.org/officeDocument/2006/relationships" xmlns:p="http://schemas.openxmlformats.org/presentationml/2006/main">
+  <p:cSld>
+    <p:spTree>
+      <p:nvGrpSpPr>
+        <p:cNvPr id="1" name=""/>
+        <p:cNvGrpSpPr/>
+        <p:nvPr/>
+      </p:nvGrpSpPr>
+      <p:grpSpPr>
+        <a:xfrm>
+          <a:off x="0" y="0"/>
+          <a:ext cx="0" cy="0"/>
+          <a:chOff x="0" y="0"/>
+          <a:chExt cx="0" cy="0"/>
+        </a:xfrm>
+      </p:grpSpPr>
+      <p:sp>
+        <p:nvSpPr>
+          <p:cNvPr id="2" name="Title 1">
+            <a:extLst>
+              <a:ext uri="{FF2B5EF4-FFF2-40B4-BE49-F238E27FC236}">
                 <a16:creationId xmlns:a16="http://schemas.microsoft.com/office/drawing/2014/main" id="{9E9CBDA7-70DA-5AE1-7C23-9B5B938A645F}"/>
               </a:ext>
             </a:extLst>
@@ -4131,7 +4248,7 @@
 </p:sld>
 </file>
 
-<file path=ppt/slides/slide15.xml><?xml version="1.0" encoding="utf-8"?>
+<file path=ppt/slides/slide16.xml><?xml version="1.0" encoding="utf-8"?>
 <p:sld xmlns:a="http://schemas.openxmlformats.org/drawingml/2006/main" xmlns:r="http://schemas.openxmlformats.org/officeDocument/2006/relationships" xmlns:p="http://schemas.openxmlformats.org/presentationml/2006/main">
   <p:cSld>
     <p:spTree>
@@ -4218,7 +4335,7 @@
 </p:sld>
 </file>
 
-<file path=ppt/slides/slide16.xml><?xml version="1.0" encoding="utf-8"?>
+<file path=ppt/slides/slide17.xml><?xml version="1.0" encoding="utf-8"?>
 <p:sld xmlns:a="http://schemas.openxmlformats.org/drawingml/2006/main" xmlns:r="http://schemas.openxmlformats.org/officeDocument/2006/relationships" xmlns:p="http://schemas.openxmlformats.org/presentationml/2006/main">
   <p:cSld>
     <p:spTree>
@@ -4601,88 +4718,40 @@
           <a:chExt cx="0" cy="0"/>
         </a:xfrm>
       </p:grpSpPr>
-      <p:sp>
-        <p:nvSpPr>
-          <p:cNvPr id="2" name="Title 1">
-            <a:extLst>
-              <a:ext uri="{FF2B5EF4-FFF2-40B4-BE49-F238E27FC236}">
-                <a16:creationId xmlns:a16="http://schemas.microsoft.com/office/drawing/2014/main" id="{5C2A430C-1CEB-50D2-97E7-2F938039E6DB}"/>
-              </a:ext>
-            </a:extLst>
-          </p:cNvPr>
-          <p:cNvSpPr>
-            <a:spLocks noGrp="1"/>
-          </p:cNvSpPr>
-          <p:nvPr>
-            <p:ph type="title"/>
-          </p:nvPr>
-        </p:nvSpPr>
-        <p:spPr/>
-        <p:txBody>
-          <a:bodyPr/>
-          <a:lstStyle/>
-          <a:p>
-            <a:r>
-              <a:rPr lang="en-IN" dirty="0">
-                <a:solidFill>
-                  <a:srgbClr val="FF0000"/>
-                </a:solidFill>
-              </a:rPr>
-              <a:t>Resource group</a:t>
-            </a:r>
-          </a:p>
-        </p:txBody>
-      </p:sp>
-      <p:sp>
-        <p:nvSpPr>
-          <p:cNvPr id="3" name="Content Placeholder 2">
-            <a:extLst>
-              <a:ext uri="{FF2B5EF4-FFF2-40B4-BE49-F238E27FC236}">
-                <a16:creationId xmlns:a16="http://schemas.microsoft.com/office/drawing/2014/main" id="{9A830B96-4FE5-F661-22AE-BBA886C7528C}"/>
-              </a:ext>
-            </a:extLst>
-          </p:cNvPr>
-          <p:cNvSpPr>
-            <a:spLocks noGrp="1"/>
-          </p:cNvSpPr>
-          <p:nvPr>
-            <p:ph idx="1"/>
-          </p:nvPr>
-        </p:nvSpPr>
-        <p:spPr/>
-        <p:txBody>
-          <a:bodyPr/>
-          <a:lstStyle/>
-          <a:p>
-            <a:pPr marL="0" indent="0">
-              <a:buNone/>
-            </a:pPr>
-            <a:r>
-              <a:rPr lang="en-IN" dirty="0"/>
-              <a:t>Resource group is just a folder which keep your data organize.</a:t>
-            </a:r>
-          </a:p>
-          <a:p>
-            <a:pPr marL="0" indent="0">
-              <a:buNone/>
-            </a:pPr>
-            <a:endParaRPr lang="en-IN" dirty="0"/>
-          </a:p>
-          <a:p>
-            <a:pPr marL="0" indent="0">
-              <a:buNone/>
-            </a:pPr>
-            <a:r>
-              <a:rPr lang="en-IN" dirty="0"/>
-              <a:t>Note: Resource group is mandatory in Azure, if you are not creating resource group then Azure will create for you by default.</a:t>
-            </a:r>
-          </a:p>
-        </p:txBody>
-      </p:sp>
+      <p:pic>
+        <p:nvPicPr>
+          <p:cNvPr id="3" name="Picture 2">
+            <a:extLst>
+              <a:ext uri="{FF2B5EF4-FFF2-40B4-BE49-F238E27FC236}">
+                <a16:creationId xmlns:a16="http://schemas.microsoft.com/office/drawing/2014/main" id="{F6FECFC3-FE4C-3BA9-D80B-02888CD02F8B}"/>
+              </a:ext>
+            </a:extLst>
+          </p:cNvPr>
+          <p:cNvPicPr>
+            <a:picLocks noChangeAspect="1"/>
+          </p:cNvPicPr>
+          <p:nvPr/>
+        </p:nvPicPr>
+        <p:blipFill>
+          <a:blip r:embed="rId2"/>
+          <a:stretch>
+            <a:fillRect/>
+          </a:stretch>
+        </p:blipFill>
+        <p:spPr>
+          <a:xfrm>
+            <a:off x="5110025" y="1780945"/>
+            <a:ext cx="1971950" cy="3296110"/>
+          </a:xfrm>
+          <a:prstGeom prst="rect">
+            <a:avLst/>
+          </a:prstGeom>
+        </p:spPr>
+      </p:pic>
     </p:spTree>
     <p:extLst>
       <p:ext uri="{BB962C8B-B14F-4D97-AF65-F5344CB8AC3E}">
-        <p14:creationId xmlns:p14="http://schemas.microsoft.com/office/powerpoint/2010/main" val="4102911560"/>
+        <p14:creationId xmlns:p14="http://schemas.microsoft.com/office/powerpoint/2010/main" val="2508541994"/>
       </p:ext>
     </p:extLst>
   </p:cSld>
@@ -4714,6 +4783,114 @@
           <p:cNvPr id="2" name="Title 1">
             <a:extLst>
               <a:ext uri="{FF2B5EF4-FFF2-40B4-BE49-F238E27FC236}">
+                <a16:creationId xmlns:a16="http://schemas.microsoft.com/office/drawing/2014/main" id="{5C2A430C-1CEB-50D2-97E7-2F938039E6DB}"/>
+              </a:ext>
+            </a:extLst>
+          </p:cNvPr>
+          <p:cNvSpPr>
+            <a:spLocks noGrp="1"/>
+          </p:cNvSpPr>
+          <p:nvPr>
+            <p:ph type="title"/>
+          </p:nvPr>
+        </p:nvSpPr>
+        <p:spPr/>
+        <p:txBody>
+          <a:bodyPr/>
+          <a:lstStyle/>
+          <a:p>
+            <a:r>
+              <a:rPr lang="en-IN" dirty="0">
+                <a:solidFill>
+                  <a:srgbClr val="FF0000"/>
+                </a:solidFill>
+              </a:rPr>
+              <a:t>Resource group</a:t>
+            </a:r>
+          </a:p>
+        </p:txBody>
+      </p:sp>
+      <p:sp>
+        <p:nvSpPr>
+          <p:cNvPr id="3" name="Content Placeholder 2">
+            <a:extLst>
+              <a:ext uri="{FF2B5EF4-FFF2-40B4-BE49-F238E27FC236}">
+                <a16:creationId xmlns:a16="http://schemas.microsoft.com/office/drawing/2014/main" id="{9A830B96-4FE5-F661-22AE-BBA886C7528C}"/>
+              </a:ext>
+            </a:extLst>
+          </p:cNvPr>
+          <p:cNvSpPr>
+            <a:spLocks noGrp="1"/>
+          </p:cNvSpPr>
+          <p:nvPr>
+            <p:ph idx="1"/>
+          </p:nvPr>
+        </p:nvSpPr>
+        <p:spPr/>
+        <p:txBody>
+          <a:bodyPr/>
+          <a:lstStyle/>
+          <a:p>
+            <a:pPr marL="0" indent="0">
+              <a:buNone/>
+            </a:pPr>
+            <a:r>
+              <a:rPr lang="en-IN" dirty="0"/>
+              <a:t>Resource group is just a folder which keep your data organize.</a:t>
+            </a:r>
+          </a:p>
+          <a:p>
+            <a:pPr marL="0" indent="0">
+              <a:buNone/>
+            </a:pPr>
+            <a:endParaRPr lang="en-IN" dirty="0"/>
+          </a:p>
+          <a:p>
+            <a:pPr marL="0" indent="0">
+              <a:buNone/>
+            </a:pPr>
+            <a:r>
+              <a:rPr lang="en-IN" dirty="0"/>
+              <a:t>Note: Resource group is mandatory in Azure, if you are not creating resource group then Azure will create for you by default.</a:t>
+            </a:r>
+          </a:p>
+        </p:txBody>
+      </p:sp>
+    </p:spTree>
+    <p:extLst>
+      <p:ext uri="{BB962C8B-B14F-4D97-AF65-F5344CB8AC3E}">
+        <p14:creationId xmlns:p14="http://schemas.microsoft.com/office/powerpoint/2010/main" val="4102911560"/>
+      </p:ext>
+    </p:extLst>
+  </p:cSld>
+  <p:clrMapOvr>
+    <a:masterClrMapping/>
+  </p:clrMapOvr>
+</p:sld>
+</file>
+
+<file path=ppt/slides/slide6.xml><?xml version="1.0" encoding="utf-8"?>
+<p:sld xmlns:a="http://schemas.openxmlformats.org/drawingml/2006/main" xmlns:r="http://schemas.openxmlformats.org/officeDocument/2006/relationships" xmlns:p="http://schemas.openxmlformats.org/presentationml/2006/main">
+  <p:cSld>
+    <p:spTree>
+      <p:nvGrpSpPr>
+        <p:cNvPr id="1" name=""/>
+        <p:cNvGrpSpPr/>
+        <p:nvPr/>
+      </p:nvGrpSpPr>
+      <p:grpSpPr>
+        <a:xfrm>
+          <a:off x="0" y="0"/>
+          <a:ext cx="0" cy="0"/>
+          <a:chOff x="0" y="0"/>
+          <a:chExt cx="0" cy="0"/>
+        </a:xfrm>
+      </p:grpSpPr>
+      <p:sp>
+        <p:nvSpPr>
+          <p:cNvPr id="2" name="Title 1">
+            <a:extLst>
+              <a:ext uri="{FF2B5EF4-FFF2-40B4-BE49-F238E27FC236}">
                 <a16:creationId xmlns:a16="http://schemas.microsoft.com/office/drawing/2014/main" id="{2773B548-D927-174C-0622-3017B1419E77}"/>
               </a:ext>
             </a:extLst>
@@ -4855,7 +5032,7 @@
 </p:sld>
 </file>
 
-<file path=ppt/slides/slide6.xml><?xml version="1.0" encoding="utf-8"?>
+<file path=ppt/slides/slide7.xml><?xml version="1.0" encoding="utf-8"?>
 <p:sld xmlns:a="http://schemas.openxmlformats.org/drawingml/2006/main" xmlns:r="http://schemas.openxmlformats.org/officeDocument/2006/relationships" xmlns:p="http://schemas.openxmlformats.org/presentationml/2006/main">
   <p:cSld>
     <p:spTree>
@@ -4915,157 +5092,6 @@
 </p:sld>
 </file>
 
-<file path=ppt/slides/slide7.xml><?xml version="1.0" encoding="utf-8"?>
-<p:sld xmlns:a="http://schemas.openxmlformats.org/drawingml/2006/main" xmlns:r="http://schemas.openxmlformats.org/officeDocument/2006/relationships" xmlns:p="http://schemas.openxmlformats.org/presentationml/2006/main">
-  <p:cSld>
-    <p:spTree>
-      <p:nvGrpSpPr>
-        <p:cNvPr id="1" name=""/>
-        <p:cNvGrpSpPr/>
-        <p:nvPr/>
-      </p:nvGrpSpPr>
-      <p:grpSpPr>
-        <a:xfrm>
-          <a:off x="0" y="0"/>
-          <a:ext cx="0" cy="0"/>
-          <a:chOff x="0" y="0"/>
-          <a:chExt cx="0" cy="0"/>
-        </a:xfrm>
-      </p:grpSpPr>
-      <p:sp>
-        <p:nvSpPr>
-          <p:cNvPr id="2" name="Title 1">
-            <a:extLst>
-              <a:ext uri="{FF2B5EF4-FFF2-40B4-BE49-F238E27FC236}">
-                <a16:creationId xmlns:a16="http://schemas.microsoft.com/office/drawing/2014/main" id="{2C068352-6E94-CF0C-EDEA-9BF6AD97B99E}"/>
-              </a:ext>
-            </a:extLst>
-          </p:cNvPr>
-          <p:cNvSpPr>
-            <a:spLocks noGrp="1"/>
-          </p:cNvSpPr>
-          <p:nvPr>
-            <p:ph type="title"/>
-          </p:nvPr>
-        </p:nvSpPr>
-        <p:spPr/>
-        <p:txBody>
-          <a:bodyPr>
-            <a:normAutofit/>
-          </a:bodyPr>
-          <a:lstStyle/>
-          <a:p>
-            <a:r>
-              <a:rPr lang="en-US" sz="3600" dirty="0">
-                <a:solidFill>
-                  <a:srgbClr val="FF0000"/>
-                </a:solidFill>
-              </a:rPr>
-              <a:t>Example Naming Convention for Azure Resource Groups</a:t>
-            </a:r>
-            <a:endParaRPr lang="en-IN" sz="3600" dirty="0">
-              <a:solidFill>
-                <a:srgbClr val="FF0000"/>
-              </a:solidFill>
-            </a:endParaRPr>
-          </a:p>
-        </p:txBody>
-      </p:sp>
-      <p:sp>
-        <p:nvSpPr>
-          <p:cNvPr id="3" name="Content Placeholder 2">
-            <a:extLst>
-              <a:ext uri="{FF2B5EF4-FFF2-40B4-BE49-F238E27FC236}">
-                <a16:creationId xmlns:a16="http://schemas.microsoft.com/office/drawing/2014/main" id="{BE7841F7-DCE1-6048-4D22-FFB9E5AF8499}"/>
-              </a:ext>
-            </a:extLst>
-          </p:cNvPr>
-          <p:cNvSpPr>
-            <a:spLocks noGrp="1"/>
-          </p:cNvSpPr>
-          <p:nvPr>
-            <p:ph idx="1"/>
-          </p:nvPr>
-        </p:nvSpPr>
-        <p:spPr/>
-        <p:txBody>
-          <a:bodyPr/>
-          <a:lstStyle/>
-          <a:p>
-            <a:pPr marL="0" indent="0">
-              <a:buNone/>
-            </a:pPr>
-            <a:r>
-              <a:rPr lang="fr-FR" dirty="0"/>
-              <a:t>Format: </a:t>
-            </a:r>
-            <a:r>
-              <a:rPr lang="fr-FR" dirty="0" err="1"/>
-              <a:t>rg</a:t>
-            </a:r>
-            <a:r>
-              <a:rPr lang="fr-FR" dirty="0"/>
-              <a:t>-&lt;</a:t>
-            </a:r>
-            <a:r>
-              <a:rPr lang="fr-FR" dirty="0" err="1"/>
-              <a:t>Environment</a:t>
-            </a:r>
-            <a:r>
-              <a:rPr lang="fr-FR" dirty="0"/>
-              <a:t>&gt;-&lt;</a:t>
-            </a:r>
-            <a:r>
-              <a:rPr lang="fr-FR" dirty="0" err="1"/>
-              <a:t>Department</a:t>
-            </a:r>
-            <a:r>
-              <a:rPr lang="fr-FR" dirty="0"/>
-              <a:t>&gt;-&lt;Project&gt;-&lt;Location&gt;-&lt;</a:t>
-            </a:r>
-            <a:r>
-              <a:rPr lang="fr-FR" dirty="0" err="1"/>
-              <a:t>UniqueID</a:t>
-            </a:r>
-            <a:r>
-              <a:rPr lang="fr-FR" dirty="0"/>
-              <a:t>&gt;</a:t>
-            </a:r>
-          </a:p>
-          <a:p>
-            <a:pPr marL="0" indent="0">
-              <a:buNone/>
-            </a:pPr>
-            <a:endParaRPr lang="fr-FR" dirty="0"/>
-          </a:p>
-          <a:p>
-            <a:pPr marL="0" indent="0">
-              <a:buNone/>
-            </a:pPr>
-            <a:r>
-              <a:rPr lang="en-IN" dirty="0">
-                <a:highlight>
-                  <a:srgbClr val="FFFF00"/>
-                </a:highlight>
-              </a:rPr>
-              <a:t>rg-dev-Learning-resourcegroup-euw1-001</a:t>
-            </a:r>
-          </a:p>
-        </p:txBody>
-      </p:sp>
-    </p:spTree>
-    <p:extLst>
-      <p:ext uri="{BB962C8B-B14F-4D97-AF65-F5344CB8AC3E}">
-        <p14:creationId xmlns:p14="http://schemas.microsoft.com/office/powerpoint/2010/main" val="2912115569"/>
-      </p:ext>
-    </p:extLst>
-  </p:cSld>
-  <p:clrMapOvr>
-    <a:masterClrMapping/>
-  </p:clrMapOvr>
-</p:sld>
-</file>
-
 <file path=ppt/slides/slide8.xml><?xml version="1.0" encoding="utf-8"?>
 <p:sld xmlns:a="http://schemas.openxmlformats.org/drawingml/2006/main" xmlns:r="http://schemas.openxmlformats.org/officeDocument/2006/relationships" xmlns:p="http://schemas.openxmlformats.org/presentationml/2006/main">
   <p:cSld>
@@ -5088,7 +5114,7 @@
           <p:cNvPr id="2" name="Title 1">
             <a:extLst>
               <a:ext uri="{FF2B5EF4-FFF2-40B4-BE49-F238E27FC236}">
-                <a16:creationId xmlns:a16="http://schemas.microsoft.com/office/drawing/2014/main" id="{85DBCF63-CBE3-805F-2657-1353B37B4C33}"/>
+                <a16:creationId xmlns:a16="http://schemas.microsoft.com/office/drawing/2014/main" id="{2C068352-6E94-CF0C-EDEA-9BF6AD97B99E}"/>
               </a:ext>
             </a:extLst>
           </p:cNvPr>
@@ -5107,13 +5133,18 @@
           <a:lstStyle/>
           <a:p>
             <a:r>
-              <a:rPr lang="en-IN" sz="4000" dirty="0">
+              <a:rPr lang="en-US" sz="3600" dirty="0">
                 <a:solidFill>
                   <a:srgbClr val="FF0000"/>
                 </a:solidFill>
               </a:rPr>
-              <a:t>Authentication and authorization[Access control]</a:t>
-            </a:r>
+              <a:t>Example Naming Convention for Azure Resource Groups</a:t>
+            </a:r>
+            <a:endParaRPr lang="en-IN" sz="3600" dirty="0">
+              <a:solidFill>
+                <a:srgbClr val="FF0000"/>
+              </a:solidFill>
+            </a:endParaRPr>
           </a:p>
         </p:txBody>
       </p:sp>
@@ -5122,7 +5153,7 @@
           <p:cNvPr id="3" name="Content Placeholder 2">
             <a:extLst>
               <a:ext uri="{FF2B5EF4-FFF2-40B4-BE49-F238E27FC236}">
-                <a16:creationId xmlns:a16="http://schemas.microsoft.com/office/drawing/2014/main" id="{AA95FD0D-80DE-25A7-7E83-10D82C2B2C6D}"/>
+                <a16:creationId xmlns:a16="http://schemas.microsoft.com/office/drawing/2014/main" id="{BE7841F7-DCE1-6048-4D22-FFB9E5AF8499}"/>
               </a:ext>
             </a:extLst>
           </p:cNvPr>
@@ -5135,103 +5166,74 @@
         </p:nvSpPr>
         <p:spPr/>
         <p:txBody>
-          <a:bodyPr>
-            <a:normAutofit lnSpcReduction="10000"/>
-          </a:bodyPr>
-          <a:lstStyle/>
-          <a:p>
-            <a:pPr marL="0" indent="0">
-              <a:buNone/>
-            </a:pPr>
-            <a:r>
-              <a:rPr lang="en-IN" dirty="0"/>
-              <a:t>Authentication? Who are you</a:t>
-            </a:r>
-          </a:p>
-          <a:p>
-            <a:pPr marL="0" indent="0">
-              <a:buNone/>
-            </a:pPr>
-            <a:r>
-              <a:rPr lang="en-IN" dirty="0"/>
-              <a:t>Authorization? What you can do</a:t>
-            </a:r>
-          </a:p>
-          <a:p>
-            <a:pPr marL="0" indent="0">
-              <a:buNone/>
-            </a:pPr>
-            <a:endParaRPr lang="en-IN" dirty="0"/>
-          </a:p>
-          <a:p>
-            <a:pPr marL="0" indent="0">
-              <a:buNone/>
-            </a:pPr>
-            <a:endParaRPr lang="en-IN" dirty="0"/>
-          </a:p>
-          <a:p>
-            <a:pPr marL="0" indent="0">
-              <a:buNone/>
-            </a:pPr>
-            <a:endParaRPr lang="en-IN" dirty="0"/>
-          </a:p>
-          <a:p>
-            <a:pPr marL="0" indent="0">
-              <a:buNone/>
-            </a:pPr>
-            <a:endParaRPr lang="en-IN" dirty="0"/>
-          </a:p>
-          <a:p>
-            <a:pPr marL="0" indent="0">
-              <a:buNone/>
-            </a:pPr>
-            <a:endParaRPr lang="en-IN" dirty="0"/>
-          </a:p>
-          <a:p>
-            <a:pPr marL="0" indent="0">
-              <a:buNone/>
-            </a:pPr>
-            <a:r>
-              <a:rPr lang="en-IN" dirty="0"/>
-              <a:t>It means you are account admin, and you can create resource under free subscription.</a:t>
-            </a:r>
-          </a:p>
-        </p:txBody>
-      </p:sp>
-      <p:pic>
-        <p:nvPicPr>
-          <p:cNvPr id="5" name="Picture 4">
-            <a:extLst>
-              <a:ext uri="{FF2B5EF4-FFF2-40B4-BE49-F238E27FC236}">
-                <a16:creationId xmlns:a16="http://schemas.microsoft.com/office/drawing/2014/main" id="{D95F7058-BEFA-435F-8C9B-63583B8AEA94}"/>
-              </a:ext>
-            </a:extLst>
-          </p:cNvPr>
-          <p:cNvPicPr>
-            <a:picLocks noChangeAspect="1"/>
-          </p:cNvPicPr>
-          <p:nvPr/>
-        </p:nvPicPr>
-        <p:blipFill>
-          <a:blip r:embed="rId2"/>
-          <a:stretch>
-            <a:fillRect/>
-          </a:stretch>
-        </p:blipFill>
-        <p:spPr>
-          <a:xfrm>
-            <a:off x="143666" y="3531741"/>
-            <a:ext cx="11568558" cy="1325563"/>
-          </a:xfrm>
-          <a:prstGeom prst="rect">
-            <a:avLst/>
-          </a:prstGeom>
-        </p:spPr>
-      </p:pic>
+          <a:bodyPr/>
+          <a:lstStyle/>
+          <a:p>
+            <a:pPr marL="0" indent="0">
+              <a:buNone/>
+            </a:pPr>
+            <a:r>
+              <a:rPr lang="fr-FR" dirty="0"/>
+              <a:t>Format: </a:t>
+            </a:r>
+            <a:r>
+              <a:rPr lang="fr-FR" dirty="0" err="1"/>
+              <a:t>rg</a:t>
+            </a:r>
+            <a:r>
+              <a:rPr lang="fr-FR" dirty="0"/>
+              <a:t>-&lt;</a:t>
+            </a:r>
+            <a:r>
+              <a:rPr lang="fr-FR" dirty="0" err="1"/>
+              <a:t>Environment</a:t>
+            </a:r>
+            <a:r>
+              <a:rPr lang="fr-FR" dirty="0"/>
+              <a:t>&gt;-&lt;</a:t>
+            </a:r>
+            <a:r>
+              <a:rPr lang="fr-FR" dirty="0" err="1"/>
+              <a:t>Department</a:t>
+            </a:r>
+            <a:r>
+              <a:rPr lang="fr-FR" dirty="0"/>
+              <a:t>&gt;-&lt;Project&gt;-&lt;Location&gt;-&lt;</a:t>
+            </a:r>
+            <a:r>
+              <a:rPr lang="fr-FR" dirty="0" err="1"/>
+              <a:t>UniqueID</a:t>
+            </a:r>
+            <a:r>
+              <a:rPr lang="fr-FR" dirty="0"/>
+              <a:t>&gt;</a:t>
+            </a:r>
+          </a:p>
+          <a:p>
+            <a:pPr marL="0" indent="0">
+              <a:buNone/>
+            </a:pPr>
+            <a:endParaRPr lang="fr-FR" dirty="0"/>
+          </a:p>
+          <a:p>
+            <a:pPr marL="0" indent="0">
+              <a:buNone/>
+            </a:pPr>
+            <a:r>
+              <a:rPr lang="en-IN" dirty="0">
+                <a:highlight>
+                  <a:srgbClr val="FFFF00"/>
+                </a:highlight>
+              </a:rPr>
+              <a:t>rg-dev-Learning-resourcegroup-euw1-001</a:t>
+            </a:r>
+          </a:p>
+        </p:txBody>
+      </p:sp>
     </p:spTree>
     <p:extLst>
       <p:ext uri="{BB962C8B-B14F-4D97-AF65-F5344CB8AC3E}">
-        <p14:creationId xmlns:p14="http://schemas.microsoft.com/office/powerpoint/2010/main" val="3531719166"/>
+        <p14:creationId xmlns:p14="http://schemas.microsoft.com/office/powerpoint/2010/main" val="2912115569"/>
       </p:ext>
     </p:extLst>
   </p:cSld>
@@ -5263,7 +5265,7 @@
           <p:cNvPr id="2" name="Title 1">
             <a:extLst>
               <a:ext uri="{FF2B5EF4-FFF2-40B4-BE49-F238E27FC236}">
-                <a16:creationId xmlns:a16="http://schemas.microsoft.com/office/drawing/2014/main" id="{C9CC477D-2C93-0D0E-C7EA-19569C48DE70}"/>
+                <a16:creationId xmlns:a16="http://schemas.microsoft.com/office/drawing/2014/main" id="{85DBCF63-CBE3-805F-2657-1353B37B4C33}"/>
               </a:ext>
             </a:extLst>
           </p:cNvPr>
@@ -5276,47 +5278,60 @@
         </p:nvSpPr>
         <p:spPr/>
         <p:txBody>
-          <a:bodyPr/>
-          <a:lstStyle/>
-          <a:p>
-            <a:r>
-              <a:rPr lang="en-IN" dirty="0"/>
-              <a:t>REST API</a:t>
-            </a:r>
-          </a:p>
-        </p:txBody>
-      </p:sp>
-      <p:sp>
-        <p:nvSpPr>
-          <p:cNvPr id="3" name="Content Placeholder 2">
-            <a:extLst>
-              <a:ext uri="{FF2B5EF4-FFF2-40B4-BE49-F238E27FC236}">
-                <a16:creationId xmlns:a16="http://schemas.microsoft.com/office/drawing/2014/main" id="{7F73383A-74F8-C87D-ED4F-9CA07550DC0A}"/>
-              </a:ext>
-            </a:extLst>
-          </p:cNvPr>
-          <p:cNvSpPr>
-            <a:spLocks noGrp="1"/>
-          </p:cNvSpPr>
-          <p:nvPr>
-            <p:ph idx="1"/>
-          </p:nvPr>
-        </p:nvSpPr>
-        <p:spPr/>
-        <p:txBody>
-          <a:bodyPr/>
-          <a:lstStyle/>
-          <a:p>
-            <a:pPr marL="0" indent="0">
-              <a:buNone/>
-            </a:pPr>
-            <a:r>
-              <a:rPr lang="en-IN" dirty="0">
+          <a:bodyPr>
+            <a:normAutofit/>
+          </a:bodyPr>
+          <a:lstStyle/>
+          <a:p>
+            <a:r>
+              <a:rPr lang="en-IN" sz="4000" dirty="0">
                 <a:solidFill>
                   <a:srgbClr val="FF0000"/>
                 </a:solidFill>
               </a:rPr>
-              <a:t>REST API is a programming way to create, update, retrieve and delete the data.</a:t>
+              <a:t>Authentication and authorization[Access control]</a:t>
+            </a:r>
+          </a:p>
+        </p:txBody>
+      </p:sp>
+      <p:sp>
+        <p:nvSpPr>
+          <p:cNvPr id="3" name="Content Placeholder 2">
+            <a:extLst>
+              <a:ext uri="{FF2B5EF4-FFF2-40B4-BE49-F238E27FC236}">
+                <a16:creationId xmlns:a16="http://schemas.microsoft.com/office/drawing/2014/main" id="{AA95FD0D-80DE-25A7-7E83-10D82C2B2C6D}"/>
+              </a:ext>
+            </a:extLst>
+          </p:cNvPr>
+          <p:cNvSpPr>
+            <a:spLocks noGrp="1"/>
+          </p:cNvSpPr>
+          <p:nvPr>
+            <p:ph idx="1"/>
+          </p:nvPr>
+        </p:nvSpPr>
+        <p:spPr/>
+        <p:txBody>
+          <a:bodyPr>
+            <a:normAutofit lnSpcReduction="10000"/>
+          </a:bodyPr>
+          <a:lstStyle/>
+          <a:p>
+            <a:pPr marL="0" indent="0">
+              <a:buNone/>
+            </a:pPr>
+            <a:r>
+              <a:rPr lang="en-IN" dirty="0"/>
+              <a:t>Authentication? Who are you</a:t>
+            </a:r>
+          </a:p>
+          <a:p>
+            <a:pPr marL="0" indent="0">
+              <a:buNone/>
+            </a:pPr>
+            <a:r>
+              <a:rPr lang="en-IN" dirty="0"/>
+              <a:t>Authorization? What you can do</a:t>
             </a:r>
           </a:p>
           <a:p>
@@ -5329,25 +5344,71 @@
             <a:pPr marL="0" indent="0">
               <a:buNone/>
             </a:pPr>
+            <a:endParaRPr lang="en-IN" dirty="0"/>
+          </a:p>
+          <a:p>
+            <a:pPr marL="0" indent="0">
+              <a:buNone/>
+            </a:pPr>
+            <a:endParaRPr lang="en-IN" dirty="0"/>
+          </a:p>
+          <a:p>
+            <a:pPr marL="0" indent="0">
+              <a:buNone/>
+            </a:pPr>
+            <a:endParaRPr lang="en-IN" dirty="0"/>
+          </a:p>
+          <a:p>
+            <a:pPr marL="0" indent="0">
+              <a:buNone/>
+            </a:pPr>
+            <a:endParaRPr lang="en-IN" dirty="0"/>
+          </a:p>
+          <a:p>
+            <a:pPr marL="0" indent="0">
+              <a:buNone/>
+            </a:pPr>
             <a:r>
               <a:rPr lang="en-IN" dirty="0"/>
-              <a:t>A RESTful API is </a:t>
-            </a:r>
-            <a:r>
-              <a:rPr lang="en-IN" b="1" dirty="0"/>
-              <a:t>an architectural style for an application programming interface that uses HTTP requests to access and use data</a:t>
-            </a:r>
-            <a:r>
-              <a:rPr lang="en-IN" dirty="0"/>
-              <a:t>. That data can be used to GET , PUT , POST and DELETE data types, which refers to reading, updating, creating and deleting operations related to resources.</a:t>
-            </a:r>
-          </a:p>
-        </p:txBody>
-      </p:sp>
+              <a:t>It means you are account admin, and you can create resource under free subscription.</a:t>
+            </a:r>
+          </a:p>
+        </p:txBody>
+      </p:sp>
+      <p:pic>
+        <p:nvPicPr>
+          <p:cNvPr id="5" name="Picture 4">
+            <a:extLst>
+              <a:ext uri="{FF2B5EF4-FFF2-40B4-BE49-F238E27FC236}">
+                <a16:creationId xmlns:a16="http://schemas.microsoft.com/office/drawing/2014/main" id="{D95F7058-BEFA-435F-8C9B-63583B8AEA94}"/>
+              </a:ext>
+            </a:extLst>
+          </p:cNvPr>
+          <p:cNvPicPr>
+            <a:picLocks noChangeAspect="1"/>
+          </p:cNvPicPr>
+          <p:nvPr/>
+        </p:nvPicPr>
+        <p:blipFill>
+          <a:blip r:embed="rId2"/>
+          <a:stretch>
+            <a:fillRect/>
+          </a:stretch>
+        </p:blipFill>
+        <p:spPr>
+          <a:xfrm>
+            <a:off x="143666" y="3531741"/>
+            <a:ext cx="11568558" cy="1325563"/>
+          </a:xfrm>
+          <a:prstGeom prst="rect">
+            <a:avLst/>
+          </a:prstGeom>
+        </p:spPr>
+      </p:pic>
     </p:spTree>
     <p:extLst>
       <p:ext uri="{BB962C8B-B14F-4D97-AF65-F5344CB8AC3E}">
-        <p14:creationId xmlns:p14="http://schemas.microsoft.com/office/powerpoint/2010/main" val="1676084388"/>
+        <p14:creationId xmlns:p14="http://schemas.microsoft.com/office/powerpoint/2010/main" val="3531719166"/>
       </p:ext>
     </p:extLst>
   </p:cSld>
